--- a/docs/Userguide.pptx
+++ b/docs/Userguide.pptx
@@ -7327,7 +7327,7 @@
           <p:nvPr>
             <p:extLst>
               <p:ext uri="{D42A27DB-BD31-4B8C-83A1-F6EECF244321}">
-                <p14:modId xmlns:p14="http://schemas.microsoft.com/office/powerpoint/2010/main" val="3322565873"/>
+                <p14:modId xmlns:p14="http://schemas.microsoft.com/office/powerpoint/2010/main" val="3933882105"/>
               </p:ext>
             </p:extLst>
           </p:nvPr>
@@ -7804,7 +7804,7 @@
                       </a:r>
                       <a:r>
                         <a:rPr lang="en-US" sz="1400" dirty="0"/>
-                        <a:t> * day</a:t>
+                        <a:t>.day</a:t>
                       </a:r>
                     </a:p>
                   </a:txBody>
@@ -7952,7 +7952,7 @@
                       </a:r>
                       <a:r>
                         <a:rPr lang="en-US" sz="1400" dirty="0"/>
-                        <a:t> * day</a:t>
+                        <a:t>.day</a:t>
                       </a:r>
                     </a:p>
                   </a:txBody>
@@ -8231,7 +8231,7 @@
           <p:nvPr>
             <p:extLst>
               <p:ext uri="{D42A27DB-BD31-4B8C-83A1-F6EECF244321}">
-                <p14:modId xmlns:p14="http://schemas.microsoft.com/office/powerpoint/2010/main" val="1362776297"/>
+                <p14:modId xmlns:p14="http://schemas.microsoft.com/office/powerpoint/2010/main" val="328044297"/>
               </p:ext>
             </p:extLst>
           </p:nvPr>
@@ -8640,7 +8640,7 @@
                       </a:r>
                       <a:r>
                         <a:rPr lang="en-US" sz="1400" dirty="0"/>
-                        <a:t> * day</a:t>
+                        <a:t>.day</a:t>
                       </a:r>
                     </a:p>
                   </a:txBody>
@@ -8874,7 +8874,7 @@
           <p:nvPr>
             <p:extLst>
               <p:ext uri="{D42A27DB-BD31-4B8C-83A1-F6EECF244321}">
-                <p14:modId xmlns:p14="http://schemas.microsoft.com/office/powerpoint/2010/main" val="2929593131"/>
+                <p14:modId xmlns:p14="http://schemas.microsoft.com/office/powerpoint/2010/main" val="2980759061"/>
               </p:ext>
             </p:extLst>
           </p:nvPr>
@@ -9283,7 +9283,7 @@
                       </a:r>
                       <a:r>
                         <a:rPr lang="en-US" sz="1400" dirty="0"/>
-                        <a:t> * day</a:t>
+                        <a:t>.day</a:t>
                       </a:r>
                     </a:p>
                   </a:txBody>
@@ -12444,7 +12444,7 @@
         <p:spPr>
           <a:xfrm>
             <a:off x="164387" y="123290"/>
-            <a:ext cx="11907748" cy="5509200"/>
+            <a:ext cx="11907748" cy="5324535"/>
           </a:xfrm>
           <a:prstGeom prst="rect">
             <a:avLst/>
@@ -12634,12 +12634,9 @@
               <a:rPr lang="en-US" sz="1200" dirty="0">
                 <a:hlinkClick r:id="rId5"/>
               </a:rPr>
-              <a:t>https://oceancolor.gsfc.nasa.gov/atbd/chlor_a</a:t>
-            </a:r>
-            <a:r>
-              <a:rPr lang="en-US" sz="1200" dirty="0"/>
-              <a:t> </a:t>
-            </a:r>
+              <a:t>https://oceancolor.gsfc.nasa.gov/resources/atbd/chlor_a</a:t>
+            </a:r>
+            <a:endParaRPr lang="en-US" sz="1200" dirty="0"/>
           </a:p>
           <a:p>
             <a:pPr marL="628650" lvl="1" indent="-171450">
@@ -12654,12 +12651,9 @@
               <a:rPr lang="en-US" sz="1200" dirty="0">
                 <a:hlinkClick r:id="rId6"/>
               </a:rPr>
-              <a:t>https://oceancolor.gsfc.nasa.gov/products</a:t>
-            </a:r>
-            <a:r>
-              <a:rPr lang="en-US" sz="1200" dirty="0"/>
-              <a:t> </a:t>
-            </a:r>
+              <a:t>https://oceancolor.gsfc.nasa.gov/l3</a:t>
+            </a:r>
+            <a:endParaRPr lang="en-US" sz="1200" dirty="0"/>
           </a:p>
           <a:p>
             <a:pPr marL="628650" lvl="1" indent="-171450">
@@ -12674,12 +12668,9 @@
               <a:rPr lang="en-US" sz="1200" dirty="0">
                 <a:hlinkClick r:id="rId7"/>
               </a:rPr>
-              <a:t>https://oceancolor.gsfc.nasa.gov/docs/format/l3bins</a:t>
-            </a:r>
-            <a:r>
-              <a:rPr lang="en-US" sz="1200" dirty="0"/>
-              <a:t> </a:t>
-            </a:r>
+              <a:t>https://oceancolor.gsfc.nasa.gov/resources/docs/format/l3bins</a:t>
+            </a:r>
+            <a:endParaRPr lang="en-US" sz="1200" dirty="0"/>
           </a:p>
           <a:p>
             <a:pPr marL="628650" lvl="1" indent="-171450">
@@ -12688,13 +12679,13 @@
             </a:pPr>
             <a:r>
               <a:rPr lang="en-US" sz="1200" dirty="0"/>
-              <a:t>Level-3 binned default flags: </a:t>
+              <a:t>Level-2 and 3 default flags: </a:t>
             </a:r>
             <a:r>
               <a:rPr lang="en-US" sz="1200" dirty="0">
                 <a:hlinkClick r:id="rId8"/>
               </a:rPr>
-              <a:t>https://oceancolor.gsfc.nasa.gov/atbd/ocl2flags</a:t>
+              <a:t>https://oceancolor.gsfc.nasa.gov/resources/atbd/ocl2flags</a:t>
             </a:r>
             <a:endParaRPr lang="en-US" sz="1200" dirty="0"/>
           </a:p>

--- a/docs/Userguide.pptx
+++ b/docs/Userguide.pptx
@@ -29,6 +29,9 @@
   </p:sldIdLst>
   <p:sldSz cx="12192000" cy="6858000"/>
   <p:notesSz cx="6858000" cy="9144000"/>
+  <p:custDataLst>
+    <p:tags r:id="rId23"/>
+  </p:custDataLst>
   <p:defaultTextStyle>
     <a:defPPr>
       <a:defRPr lang="en-US"/>
@@ -279,7 +282,7 @@
           <a:p>
             <a:fld id="{E41270FE-5EBD-4BA4-89D5-740FE197983B}" type="datetimeFigureOut">
               <a:rPr lang="en-US" smtClean="0"/>
-              <a:t>8/9/2023</a:t>
+              <a:t>8/23/2024</a:t>
             </a:fld>
             <a:endParaRPr lang="en-US"/>
           </a:p>
@@ -477,7 +480,7 @@
           <a:p>
             <a:fld id="{E41270FE-5EBD-4BA4-89D5-740FE197983B}" type="datetimeFigureOut">
               <a:rPr lang="en-US" smtClean="0"/>
-              <a:t>8/9/2023</a:t>
+              <a:t>8/23/2024</a:t>
             </a:fld>
             <a:endParaRPr lang="en-US"/>
           </a:p>
@@ -685,7 +688,7 @@
           <a:p>
             <a:fld id="{E41270FE-5EBD-4BA4-89D5-740FE197983B}" type="datetimeFigureOut">
               <a:rPr lang="en-US" smtClean="0"/>
-              <a:t>8/9/2023</a:t>
+              <a:t>8/23/2024</a:t>
             </a:fld>
             <a:endParaRPr lang="en-US"/>
           </a:p>
@@ -883,7 +886,7 @@
           <a:p>
             <a:fld id="{E41270FE-5EBD-4BA4-89D5-740FE197983B}" type="datetimeFigureOut">
               <a:rPr lang="en-US" smtClean="0"/>
-              <a:t>8/9/2023</a:t>
+              <a:t>8/23/2024</a:t>
             </a:fld>
             <a:endParaRPr lang="en-US"/>
           </a:p>
@@ -1158,7 +1161,7 @@
           <a:p>
             <a:fld id="{E41270FE-5EBD-4BA4-89D5-740FE197983B}" type="datetimeFigureOut">
               <a:rPr lang="en-US" smtClean="0"/>
-              <a:t>8/9/2023</a:t>
+              <a:t>8/23/2024</a:t>
             </a:fld>
             <a:endParaRPr lang="en-US"/>
           </a:p>
@@ -1423,7 +1426,7 @@
           <a:p>
             <a:fld id="{E41270FE-5EBD-4BA4-89D5-740FE197983B}" type="datetimeFigureOut">
               <a:rPr lang="en-US" smtClean="0"/>
-              <a:t>8/9/2023</a:t>
+              <a:t>8/23/2024</a:t>
             </a:fld>
             <a:endParaRPr lang="en-US"/>
           </a:p>
@@ -1835,7 +1838,7 @@
           <a:p>
             <a:fld id="{E41270FE-5EBD-4BA4-89D5-740FE197983B}" type="datetimeFigureOut">
               <a:rPr lang="en-US" smtClean="0"/>
-              <a:t>8/9/2023</a:t>
+              <a:t>8/23/2024</a:t>
             </a:fld>
             <a:endParaRPr lang="en-US"/>
           </a:p>
@@ -1976,7 +1979,7 @@
           <a:p>
             <a:fld id="{E41270FE-5EBD-4BA4-89D5-740FE197983B}" type="datetimeFigureOut">
               <a:rPr lang="en-US" smtClean="0"/>
-              <a:t>8/9/2023</a:t>
+              <a:t>8/23/2024</a:t>
             </a:fld>
             <a:endParaRPr lang="en-US"/>
           </a:p>
@@ -2089,7 +2092,7 @@
           <a:p>
             <a:fld id="{E41270FE-5EBD-4BA4-89D5-740FE197983B}" type="datetimeFigureOut">
               <a:rPr lang="en-US" smtClean="0"/>
-              <a:t>8/9/2023</a:t>
+              <a:t>8/23/2024</a:t>
             </a:fld>
             <a:endParaRPr lang="en-US"/>
           </a:p>
@@ -2400,7 +2403,7 @@
           <a:p>
             <a:fld id="{E41270FE-5EBD-4BA4-89D5-740FE197983B}" type="datetimeFigureOut">
               <a:rPr lang="en-US" smtClean="0"/>
-              <a:t>8/9/2023</a:t>
+              <a:t>8/23/2024</a:t>
             </a:fld>
             <a:endParaRPr lang="en-US"/>
           </a:p>
@@ -2688,7 +2691,7 @@
           <a:p>
             <a:fld id="{E41270FE-5EBD-4BA4-89D5-740FE197983B}" type="datetimeFigureOut">
               <a:rPr lang="en-US" smtClean="0"/>
-              <a:t>8/9/2023</a:t>
+              <a:t>8/23/2024</a:t>
             </a:fld>
             <a:endParaRPr lang="en-US"/>
           </a:p>
@@ -2929,7 +2932,7 @@
           <a:p>
             <a:fld id="{E41270FE-5EBD-4BA4-89D5-740FE197983B}" type="datetimeFigureOut">
               <a:rPr lang="en-US" smtClean="0"/>
-              <a:t>8/9/2023</a:t>
+              <a:t>8/23/2024</a:t>
             </a:fld>
             <a:endParaRPr lang="en-US"/>
           </a:p>
@@ -12111,7 +12114,7 @@
         <p:spPr>
           <a:xfrm>
             <a:off x="164387" y="123290"/>
-            <a:ext cx="11907748" cy="4985980"/>
+            <a:ext cx="11907748" cy="5355312"/>
           </a:xfrm>
           <a:prstGeom prst="rect">
             <a:avLst/>
@@ -12147,10 +12150,37 @@
             <a:pPr lvl="1"/>
             <a:r>
               <a:rPr lang="en-US" sz="1200" dirty="0"/>
-              <a:t>TECH REPORT IN PROGRESS  </a:t>
-            </a:r>
-          </a:p>
-          <a:p>
+              <a:t>Layton, C., Devred, E., </a:t>
+            </a:r>
+            <a:r>
+              <a:rPr lang="en-US" sz="1200" dirty="0" err="1"/>
+              <a:t>DeTracey</a:t>
+            </a:r>
+            <a:r>
+              <a:rPr lang="en-US" sz="1200" dirty="0"/>
+              <a:t> B.. 2022. A comparison of phytoplankton spring bloom fitting methods using MODIS satellite-derived chlorophyll-a concentration for the Maritimes region. Can. Tech. Rep. </a:t>
+            </a:r>
+            <a:r>
+              <a:rPr lang="en-US" sz="1200" dirty="0" err="1"/>
+              <a:t>Hydrogr</a:t>
+            </a:r>
+            <a:r>
+              <a:rPr lang="en-US" sz="1200" dirty="0"/>
+              <a:t>. Ocean Sci. 340: vii + 22 p.</a:t>
+            </a:r>
+          </a:p>
+          <a:p>
+            <a:pPr lvl="1"/>
+            <a:r>
+              <a:rPr lang="en-US" sz="1200" dirty="0">
+                <a:hlinkClick r:id="rId2"/>
+              </a:rPr>
+              <a:t>https://publications.gc.ca/collections/collection_2022/mpo-dfo/Fs97-18-340-eng.pdf</a:t>
+            </a:r>
+            <a:endParaRPr lang="en-US" sz="1200" dirty="0"/>
+          </a:p>
+          <a:p>
+            <a:pPr lvl="1"/>
             <a:endParaRPr lang="en-US" sz="1200" dirty="0"/>
           </a:p>
           <a:p>
@@ -12214,7 +12244,7 @@
             <a:pPr lvl="1"/>
             <a:r>
               <a:rPr lang="en-US" sz="1200" i="1" dirty="0">
-                <a:hlinkClick r:id="rId2"/>
+                <a:hlinkClick r:id="rId3"/>
               </a:rPr>
               <a:t>https://www.researchgate.net/publication/284463756_Ocean_color_chlorophyll_algorithms_for_SeaWiFS</a:t>
             </a:r>
@@ -12267,7 +12297,7 @@
             <a:pPr lvl="1"/>
             <a:r>
               <a:rPr lang="en-US" sz="1200" i="1" dirty="0">
-                <a:hlinkClick r:id="rId3"/>
+                <a:hlinkClick r:id="rId4"/>
               </a:rPr>
               <a:t>https://www.researchgate.net/publication/11345370_Optimization_of_a_semianalytical_ocean_color_model_for_global-scale_application</a:t>
             </a:r>
@@ -12293,8 +12323,8 @@
               <a:t>Chlorophyll-a algorithms </a:t>
             </a:r>
             <a:r>
-              <a:rPr lang="en-US" sz="1200" b="1" dirty="0" err="1"/>
-              <a:t>OCx</a:t>
+              <a:rPr lang="en-US" sz="1200" b="1" dirty="0"/>
+              <a:t>OCI</a:t>
             </a:r>
             <a:r>
               <a:rPr lang="en-US" sz="1200" dirty="0"/>
@@ -12336,7 +12366,7 @@
             <a:pPr lvl="1"/>
             <a:r>
               <a:rPr lang="en-US" sz="1200" i="1" dirty="0">
-                <a:hlinkClick r:id="rId4"/>
+                <a:hlinkClick r:id="rId5"/>
               </a:rPr>
               <a:t>https://www.mdpi.com/2072-4292/11/22/2609</a:t>
             </a:r>
@@ -12385,7 +12415,7 @@
             <a:pPr lvl="1"/>
             <a:r>
               <a:rPr lang="en-US" sz="1200" i="1" dirty="0">
-                <a:hlinkClick r:id="rId5"/>
+                <a:hlinkClick r:id="rId6"/>
               </a:rPr>
               <a:t>https://www.mdpi.com/2072-4292/10/2/265</a:t>
             </a:r>
@@ -18410,6 +18440,12 @@
 </p:sld>
 </file>
 
+<file path=ppt/tags/tag1.xml><?xml version="1.0" encoding="utf-8"?>
+<p:tagLst xmlns:a="http://schemas.openxmlformats.org/drawingml/2006/main" xmlns:r="http://schemas.openxmlformats.org/officeDocument/2006/relationships" xmlns:p="http://schemas.openxmlformats.org/presentationml/2006/main">
+  <p:tag name="ENGAGE" val="{&quot;SavedSwatch&quot;:&quot;-14272694|-12223080|-16154294|-9539986|-16777216|Fisheries and Oceans Canada&quot;,&quot;Id&quot;:&quot;66c873983439463790004138&quot;,&quot;SmartGridHorizontal&quot;:0,&quot;LinkedExcelSources&quot;:{},&quot;LinkedProjectSources&quot;:{},&quot;FlowConfig&quot;:{&quot;Canvas&quot;:{&quot;Slide&quot;:-1,&quot;Width&quot;:0,&quot;Height&quot;:0},&quot;Timeline&quot;:{&quot;Actions&quot;:[]}},&quot;LinkedSlideMergeSources&quot;:{},&quot;LinkedSharePointSlideMergeSources&quot;:{}}"/>
+</p:tagLst>
+</file>
+
 <file path=ppt/theme/theme1.xml><?xml version="1.0" encoding="utf-8"?>
 <a:theme xmlns:a="http://schemas.openxmlformats.org/drawingml/2006/main" name="Office Theme">
   <a:themeElements>
